--- a/curriculum/1_preparation/4_sandbox.pptx
+++ b/curriculum/1_preparation/4_sandbox.pptx
@@ -5,11 +5,15 @@
     <p:sldMasterId id="2147483648" r:id="rId1"/>
   </p:sldMasterIdLst>
   <p:notesMasterIdLst>
-    <p:notesMasterId r:id="rId4"/>
+    <p:notesMasterId r:id="rId8"/>
   </p:notesMasterIdLst>
   <p:sldIdLst>
     <p:sldId id="256" r:id="rId2"/>
     <p:sldId id="257" r:id="rId3"/>
+    <p:sldId id="258" r:id="rId4"/>
+    <p:sldId id="259" r:id="rId5"/>
+    <p:sldId id="260" r:id="rId6"/>
+    <p:sldId id="261" r:id="rId7"/>
   </p:sldIdLst>
   <p:sldSz cx="12192000" cy="6858000"/>
   <p:notesSz cx="6858000" cy="9144000"/>
@@ -197,7 +201,7 @@
           </a:lstStyle>
           <a:p>
             <a:fld id="{F356C141-9813-2243-A41E-9A104DB6DD74}" type="datetimeFigureOut">
-              <a:t>2022/4/16</a:t>
+              <a:t>2022/6/6</a:t>
             </a:fld>
             <a:endParaRPr kumimoji="1" lang="ja-JP" altLang="en-US"/>
           </a:p>
@@ -540,24 +544,91 @@
           <a:lstStyle/>
           <a:p>
             <a:r>
-              <a:rPr kumimoji="1" lang="ja-JP" altLang="en-US"/>
-              <a:t>この</a:t>
-            </a:r>
+              <a:rPr kumimoji="1" lang="en-US" altLang="ja-JP"/>
+              <a:t>Ubuntu</a:t>
+            </a:r>
+            <a:r>
+              <a:rPr kumimoji="1" lang="ja-JP" altLang="en-US"/>
+              <a:t>が起動しているかを確認するために、</a:t>
+            </a:r>
+            <a:r>
+              <a:rPr kumimoji="1" lang="en-US" altLang="ja-JP"/>
+              <a:t>multipass list</a:t>
+            </a:r>
+            <a:r>
+              <a:rPr kumimoji="1" lang="ja-JP" altLang="en-US"/>
+              <a:t>を実行しましょう。</a:t>
+            </a:r>
+            <a:endParaRPr kumimoji="1" lang="en-US" altLang="ja-JP"/>
+          </a:p>
+          <a:p>
+            <a:endParaRPr kumimoji="1" lang="en-US" altLang="ja-JP"/>
+          </a:p>
+          <a:p>
+            <a:r>
+              <a:rPr kumimoji="1" lang="en-US" altLang="ja-JP"/>
+              <a:t>Ubuntu</a:t>
+            </a:r>
+            <a:r>
+              <a:rPr kumimoji="1" lang="ja-JP" altLang="en-US"/>
+              <a:t>が起動していれば、</a:t>
+            </a:r>
+            <a:r>
+              <a:rPr kumimoji="1" lang="en-US" altLang="ja-JP"/>
+              <a:t>VSCode</a:t>
+            </a:r>
+            <a:r>
+              <a:rPr kumimoji="1" lang="ja-JP" altLang="en-US"/>
+              <a:t>の左下の緑のアイコンをクリックして、</a:t>
+            </a:r>
+            <a:r>
+              <a:rPr kumimoji="1" lang="en-US" altLang="ja-JP"/>
+              <a:t>Connect to Host</a:t>
+            </a:r>
+            <a:r>
+              <a:rPr kumimoji="1" lang="ja-JP" altLang="en-US"/>
+              <a:t>で</a:t>
+            </a:r>
+            <a:r>
+              <a:rPr kumimoji="1" lang="en-US" altLang="ja-JP"/>
+              <a:t>Ubunntu</a:t>
+            </a:r>
+            <a:r>
+              <a:rPr kumimoji="1" lang="ja-JP" altLang="en-US"/>
+              <a:t>に接続します。</a:t>
+            </a:r>
+            <a:endParaRPr kumimoji="1" lang="en-US" altLang="ja-JP"/>
+          </a:p>
+          <a:p>
+            <a:endParaRPr kumimoji="1" lang="en-US" altLang="ja-JP"/>
+          </a:p>
+          <a:p>
             <a:r>
               <a:rPr kumimoji="1" lang="en-US" altLang="ja-JP"/>
               <a:t>Algorand</a:t>
             </a:r>
             <a:r>
               <a:rPr kumimoji="1" lang="ja-JP" altLang="en-US"/>
-              <a:t>教育プログラム用の</a:t>
-            </a:r>
-            <a:r>
-              <a:rPr kumimoji="1" lang="en-US" altLang="ja-JP"/>
-              <a:t>Github</a:t>
-            </a:r>
-            <a:r>
-              <a:rPr kumimoji="1" lang="ja-JP" altLang="en-US"/>
-              <a:t>リポジトリがあるので、</a:t>
+              <a:t>で開発するためには、</a:t>
+            </a:r>
+            <a:r>
+              <a:rPr kumimoji="1" lang="en-US" altLang="ja-JP"/>
+              <a:t>sandbox</a:t>
+            </a:r>
+            <a:r>
+              <a:rPr kumimoji="1" lang="ja-JP" altLang="en-US"/>
+              <a:t>というプログラムが必要になります。</a:t>
+            </a:r>
+            <a:endParaRPr kumimoji="1" lang="en-US" altLang="ja-JP"/>
+          </a:p>
+          <a:p>
+            <a:r>
+              <a:rPr kumimoji="1" lang="en-US" altLang="ja-JP"/>
+              <a:t>github</a:t>
+            </a:r>
+            <a:r>
+              <a:rPr kumimoji="1" lang="ja-JP" altLang="en-US"/>
+              <a:t>から</a:t>
             </a:r>
             <a:r>
               <a:rPr kumimoji="1" lang="en-US" altLang="ja-JP"/>
@@ -570,86 +641,24 @@
             <a:endParaRPr kumimoji="1" lang="en-US" altLang="ja-JP"/>
           </a:p>
           <a:p>
-            <a:r>
-              <a:rPr kumimoji="1" lang="ja-JP" altLang="en-US"/>
-              <a:t>そして、</a:t>
-            </a:r>
-            <a:r>
-              <a:rPr lang="en-US" altLang="ja-JP" sz="1200"/>
-              <a:t>algorand_education_program</a:t>
-            </a:r>
-            <a:r>
-              <a:rPr lang="ja-JP" altLang="en-US" sz="1200"/>
-              <a:t>ディレクトリに</a:t>
-            </a:r>
-            <a:r>
-              <a:rPr lang="en-US" altLang="ja-JP" sz="1200"/>
-              <a:t>cd</a:t>
-            </a:r>
-            <a:r>
-              <a:rPr lang="ja-JP" altLang="en-US" sz="1200"/>
-              <a:t>します。</a:t>
-            </a:r>
-            <a:endParaRPr lang="en-US" altLang="ja-JP" sz="1200"/>
-          </a:p>
-          <a:p>
-            <a:r>
-              <a:rPr lang="en" altLang="ja-JP"/>
-              <a:t>Algorand Sandbox</a:t>
-            </a:r>
-            <a:r>
-              <a:rPr lang="ja-JP" altLang="en-US"/>
-              <a:t>のリポジトリを</a:t>
-            </a:r>
-            <a:r>
-              <a:rPr lang="en-US" altLang="ja-JP"/>
+            <a:endParaRPr kumimoji="1" lang="en-US" altLang="ja-JP"/>
+          </a:p>
+          <a:p>
+            <a:r>
+              <a:rPr kumimoji="1" lang="en-US" altLang="ja-JP"/>
               <a:t>git clone</a:t>
             </a:r>
             <a:r>
-              <a:rPr lang="ja-JP" altLang="en-US"/>
-              <a:t>しましょう。</a:t>
-            </a:r>
-            <a:endParaRPr lang="en-US" altLang="ja-JP"/>
-          </a:p>
-          <a:p>
-            <a:r>
-              <a:rPr kumimoji="1" lang="ja-JP" altLang="en-US"/>
-              <a:t>そして、</a:t>
-            </a:r>
-            <a:r>
-              <a:rPr kumimoji="1" lang="en-US" altLang="ja-JP" sz="1200"/>
+              <a:rPr kumimoji="1" lang="ja-JP" altLang="en-US"/>
+              <a:t>が終わったら、</a:t>
+            </a:r>
+            <a:r>
+              <a:rPr kumimoji="1" lang="en-US" altLang="ja-JP"/>
               <a:t>sandbox</a:t>
             </a:r>
             <a:r>
-              <a:rPr lang="ja-JP" altLang="en-US" sz="1200"/>
-              <a:t>ディレクトリに</a:t>
-            </a:r>
-            <a:r>
-              <a:rPr lang="en-US" altLang="ja-JP" sz="1200"/>
-              <a:t>cd</a:t>
-            </a:r>
-            <a:r>
-              <a:rPr lang="ja-JP" altLang="en-US" sz="1200"/>
-              <a:t>します。</a:t>
-            </a:r>
-            <a:endParaRPr lang="en-US" altLang="ja-JP" sz="1200"/>
-          </a:p>
-          <a:p>
-            <a:r>
-              <a:rPr kumimoji="1" lang="en-US" altLang="ja-JP" sz="1200"/>
-              <a:t>Sandbox</a:t>
-            </a:r>
-            <a:r>
-              <a:rPr kumimoji="1" lang="ja-JP" altLang="en-US" sz="1200"/>
-              <a:t>は、</a:t>
-            </a:r>
-            <a:r>
-              <a:rPr kumimoji="1" lang="en-US" altLang="ja-JP" sz="1200"/>
-              <a:t>Algorand</a:t>
-            </a:r>
-            <a:r>
-              <a:rPr kumimoji="1" lang="ja-JP" altLang="en-US" sz="1200"/>
-              <a:t>の開発用ノードです。</a:t>
+              <a:rPr kumimoji="1" lang="ja-JP" altLang="en-US"/>
+              <a:t>ディレクトリに移動しましょう。</a:t>
             </a:r>
             <a:endParaRPr kumimoji="1" lang="en-US" altLang="ja-JP"/>
           </a:p>
@@ -740,77 +749,136 @@
             </a:r>
             <a:r>
               <a:rPr kumimoji="1" lang="ja-JP" altLang="en-US"/>
-              <a:t>を開発モードで起動しましょう。</a:t>
+              <a:t>を起動しましょう。</a:t>
             </a:r>
             <a:endParaRPr kumimoji="1" lang="en-US" altLang="ja-JP"/>
           </a:p>
           <a:p>
-            <a:r>
-              <a:rPr kumimoji="1" lang="ja-JP" altLang="en-US"/>
-              <a:t>エラーメッセージが表示された場合は、</a:t>
-            </a:r>
-            <a:r>
-              <a:rPr kumimoji="1" lang="en-US" altLang="ja-JP"/>
-              <a:t>Docker.app</a:t>
-            </a:r>
-            <a:r>
-              <a:rPr kumimoji="1" lang="ja-JP" altLang="en-US"/>
-              <a:t>が起動されているか確認しましょう。</a:t>
+            <a:pPr marL="0" marR="0" lvl="0" indent="0" algn="l" defTabSz="914400" rtl="0" eaLnBrk="1" fontAlgn="auto" latinLnBrk="0" hangingPunct="1">
+              <a:lnSpc>
+                <a:spcPct val="100000"/>
+              </a:lnSpc>
+              <a:spcBef>
+                <a:spcPts val="0"/>
+              </a:spcBef>
+              <a:spcAft>
+                <a:spcPts val="0"/>
+              </a:spcAft>
+              <a:buClrTx/>
+              <a:buSzTx/>
+              <a:buFontTx/>
+              <a:buNone/>
+              <a:tabLst/>
+              <a:defRPr/>
+            </a:pPr>
+            <a:r>
+              <a:rPr kumimoji="1" lang="en-US" altLang="ja-JP"/>
+              <a:t>Sandbox</a:t>
+            </a:r>
+            <a:r>
+              <a:rPr kumimoji="1" lang="ja-JP" altLang="en-US"/>
+              <a:t>は、</a:t>
+            </a:r>
+            <a:r>
+              <a:rPr kumimoji="1" lang="en-US" altLang="ja-JP"/>
+              <a:t>Algorand</a:t>
+            </a:r>
+            <a:r>
+              <a:rPr kumimoji="1" lang="ja-JP" altLang="en-US"/>
+              <a:t>に接続するための入口となるプログラムです。</a:t>
             </a:r>
             <a:endParaRPr kumimoji="1" lang="en-US" altLang="ja-JP"/>
           </a:p>
           <a:p>
-            <a:r>
-              <a:rPr kumimoji="1" lang="en-US" altLang="ja-JP"/>
-              <a:t>Docker.app</a:t>
-            </a:r>
-            <a:r>
-              <a:rPr kumimoji="1" lang="ja-JP" altLang="en-US"/>
-              <a:t>を起動後、もう一度</a:t>
-            </a:r>
-            <a:r>
-              <a:rPr kumimoji="1" lang="en-US" altLang="ja-JP"/>
-              <a:t>Sandbox</a:t>
-            </a:r>
-            <a:r>
-              <a:rPr kumimoji="1" lang="ja-JP" altLang="en-US"/>
-              <a:t>を起動します。</a:t>
-            </a:r>
             <a:endParaRPr kumimoji="1" lang="en-US" altLang="ja-JP"/>
           </a:p>
           <a:p>
             <a:r>
-              <a:rPr kumimoji="1" lang="ja-JP" altLang="en-US"/>
-              <a:t>最初は、かなり時間がかかりますが、辛抱強く待ちましょう。</a:t>
+              <a:rPr kumimoji="1" lang="en-US" altLang="ja-JP"/>
+              <a:t>sandbox up</a:t>
+            </a:r>
+            <a:r>
+              <a:rPr kumimoji="1" lang="ja-JP" altLang="en-US"/>
+              <a:t>コマンドを実行します。</a:t>
             </a:r>
             <a:endParaRPr kumimoji="1" lang="en-US" altLang="ja-JP"/>
           </a:p>
           <a:p>
             <a:r>
               <a:rPr kumimoji="1" lang="ja-JP" altLang="en-US"/>
-              <a:t>二度目からはそんなに時間はかかりません。</a:t>
+              <a:t>結構時間がかかるので、辛抱強く待ちましょう。</a:t>
             </a:r>
             <a:endParaRPr kumimoji="1" lang="en-US" altLang="ja-JP"/>
           </a:p>
           <a:p>
-            <a:r>
-              <a:rPr kumimoji="1" lang="ja-JP" altLang="en-US"/>
-              <a:t>正常に起動したら、</a:t>
-            </a:r>
-            <a:r>
-              <a:rPr kumimoji="1" lang="en-US" altLang="ja-JP"/>
-              <a:t>Sandbox</a:t>
-            </a:r>
-            <a:r>
-              <a:rPr kumimoji="1" lang="ja-JP" altLang="en-US"/>
-              <a:t>を終了させましょう。</a:t>
-            </a:r>
             <a:endParaRPr kumimoji="1" lang="en-US" altLang="ja-JP"/>
           </a:p>
           <a:p>
             <a:r>
-              <a:rPr kumimoji="1" lang="ja-JP" altLang="en-US"/>
-              <a:t>すぐに終了するはずです。</a:t>
+              <a:rPr kumimoji="1" lang="en-US" altLang="ja-JP"/>
+              <a:t>up</a:t>
+            </a:r>
+            <a:r>
+              <a:rPr kumimoji="1" lang="ja-JP" altLang="en-US"/>
+              <a:t>コマンドの次に、設定名を指定します。</a:t>
+            </a:r>
+            <a:endParaRPr kumimoji="1" lang="en-US" altLang="ja-JP"/>
+          </a:p>
+          <a:p>
+            <a:endParaRPr kumimoji="1" lang="en-US" altLang="ja-JP"/>
+          </a:p>
+          <a:p>
+            <a:r>
+              <a:rPr kumimoji="1" lang="ja-JP" altLang="en-US"/>
+              <a:t>覚えておく必要があるのは、次の３つです。</a:t>
+            </a:r>
+            <a:endParaRPr kumimoji="1" lang="en-US" altLang="ja-JP"/>
+          </a:p>
+          <a:p>
+            <a:endParaRPr kumimoji="1" lang="en-US" altLang="ja-JP"/>
+          </a:p>
+          <a:p>
+            <a:r>
+              <a:rPr kumimoji="1" lang="en-US" altLang="ja-JP"/>
+              <a:t>release</a:t>
+            </a:r>
+          </a:p>
+          <a:p>
+            <a:r>
+              <a:rPr kumimoji="1" lang="ja-JP" altLang="en-US"/>
+              <a:t>このノードに閉じた安定版のネットワークです。</a:t>
+            </a:r>
+            <a:endParaRPr kumimoji="1" lang="en-US" altLang="ja-JP"/>
+          </a:p>
+          <a:p>
+            <a:endParaRPr kumimoji="1" lang="en-US" altLang="ja-JP"/>
+          </a:p>
+          <a:p>
+            <a:r>
+              <a:rPr kumimoji="1" lang="en-US" altLang="ja-JP"/>
+              <a:t>testnet</a:t>
+            </a:r>
+          </a:p>
+          <a:p>
+            <a:r>
+              <a:rPr kumimoji="1" lang="ja-JP" altLang="en-US"/>
+              <a:t>複数のノードが参加しているテスト用のネットワークです。</a:t>
+            </a:r>
+            <a:endParaRPr kumimoji="1" lang="en-US" altLang="ja-JP"/>
+          </a:p>
+          <a:p>
+            <a:endParaRPr kumimoji="1" lang="en-US" altLang="ja-JP"/>
+          </a:p>
+          <a:p>
+            <a:r>
+              <a:rPr kumimoji="1" lang="en-US" altLang="ja-JP"/>
+              <a:t>mainnet</a:t>
+            </a:r>
+          </a:p>
+          <a:p>
+            <a:r>
+              <a:rPr kumimoji="1" lang="ja-JP" altLang="en-US"/>
+              <a:t>本番ネットワークです。</a:t>
             </a:r>
             <a:endParaRPr kumimoji="1" lang="en-US" altLang="ja-JP"/>
           </a:p>
@@ -842,6 +910,521 @@
     <p:extLst>
       <p:ext uri="{BB962C8B-B14F-4D97-AF65-F5344CB8AC3E}">
         <p14:creationId xmlns:p14="http://schemas.microsoft.com/office/powerpoint/2010/main" val="1008319566"/>
+      </p:ext>
+    </p:extLst>
+  </p:cSld>
+  <p:clrMapOvr>
+    <a:masterClrMapping/>
+  </p:clrMapOvr>
+</p:notes>
+</file>
+
+<file path=ppt/notesSlides/notesSlide3.xml><?xml version="1.0" encoding="utf-8"?>
+<p:notes xmlns:a="http://schemas.openxmlformats.org/drawingml/2006/main" xmlns:r="http://schemas.openxmlformats.org/officeDocument/2006/relationships" xmlns:p="http://schemas.openxmlformats.org/presentationml/2006/main">
+  <p:cSld>
+    <p:spTree>
+      <p:nvGrpSpPr>
+        <p:cNvPr id="1" name=""/>
+        <p:cNvGrpSpPr/>
+        <p:nvPr/>
+      </p:nvGrpSpPr>
+      <p:grpSpPr>
+        <a:xfrm>
+          <a:off x="0" y="0"/>
+          <a:ext cx="0" cy="0"/>
+          <a:chOff x="0" y="0"/>
+          <a:chExt cx="0" cy="0"/>
+        </a:xfrm>
+      </p:grpSpPr>
+      <p:sp>
+        <p:nvSpPr>
+          <p:cNvPr id="2" name="スライド イメージ プレースホルダー 1"/>
+          <p:cNvSpPr>
+            <a:spLocks noGrp="1" noRot="1" noChangeAspect="1"/>
+          </p:cNvSpPr>
+          <p:nvPr>
+            <p:ph type="sldImg"/>
+          </p:nvPr>
+        </p:nvSpPr>
+        <p:spPr/>
+      </p:sp>
+      <p:sp>
+        <p:nvSpPr>
+          <p:cNvPr id="3" name="ノート プレースホルダー 2"/>
+          <p:cNvSpPr>
+            <a:spLocks noGrp="1"/>
+          </p:cNvSpPr>
+          <p:nvPr>
+            <p:ph type="body" idx="1"/>
+          </p:nvPr>
+        </p:nvSpPr>
+        <p:spPr/>
+        <p:txBody>
+          <a:bodyPr/>
+          <a:lstStyle/>
+          <a:p>
+            <a:r>
+              <a:rPr kumimoji="1" lang="en-US" altLang="ja-JP"/>
+              <a:t>up</a:t>
+            </a:r>
+            <a:r>
+              <a:rPr kumimoji="1" lang="ja-JP" altLang="en-US"/>
+              <a:t>コマンドに適用された設定名は、</a:t>
+            </a:r>
+            <a:r>
+              <a:rPr kumimoji="1" lang="en-US" altLang="ja-JP"/>
+              <a:t>.active_config</a:t>
+            </a:r>
+            <a:r>
+              <a:rPr kumimoji="1" lang="ja-JP" altLang="en-US"/>
+              <a:t>に格納されます。</a:t>
+            </a:r>
+            <a:endParaRPr kumimoji="1" lang="en-US" altLang="ja-JP"/>
+          </a:p>
+          <a:p>
+            <a:endParaRPr kumimoji="1" lang="en-US" altLang="ja-JP"/>
+          </a:p>
+          <a:p>
+            <a:r>
+              <a:rPr kumimoji="1" lang="en-US" altLang="ja-JP"/>
+              <a:t>up</a:t>
+            </a:r>
+            <a:r>
+              <a:rPr kumimoji="1" lang="ja-JP" altLang="en-US"/>
+              <a:t>コマンドで設定名が指定された場合、その設定が適用されます。</a:t>
+            </a:r>
+            <a:endParaRPr kumimoji="1" lang="en-US" altLang="ja-JP"/>
+          </a:p>
+          <a:p>
+            <a:r>
+              <a:rPr kumimoji="1" lang="en-US" altLang="ja-JP"/>
+              <a:t>up</a:t>
+            </a:r>
+            <a:r>
+              <a:rPr kumimoji="1" lang="ja-JP" altLang="en-US"/>
+              <a:t>コマンドに設定名が指定されない場合、</a:t>
+            </a:r>
+            <a:r>
+              <a:rPr kumimoji="1" lang="en-US" altLang="ja-JP"/>
+              <a:t>.active_config</a:t>
+            </a:r>
+            <a:r>
+              <a:rPr kumimoji="1" lang="ja-JP" altLang="en-US"/>
+              <a:t>が存在するなら、そこに格納されている設定名になります。</a:t>
+            </a:r>
+            <a:endParaRPr kumimoji="1" lang="en-US" altLang="ja-JP"/>
+          </a:p>
+          <a:p>
+            <a:r>
+              <a:rPr kumimoji="1" lang="en-US" altLang="ja-JP"/>
+              <a:t>up</a:t>
+            </a:r>
+            <a:r>
+              <a:rPr kumimoji="1" lang="ja-JP" altLang="en-US"/>
+              <a:t>コマンドに設定名が指定されない場合、</a:t>
+            </a:r>
+            <a:r>
+              <a:rPr kumimoji="1" lang="en-US" altLang="ja-JP"/>
+              <a:t>.active_config</a:t>
+            </a:r>
+            <a:r>
+              <a:rPr kumimoji="1" lang="ja-JP" altLang="en-US"/>
+              <a:t>が存在しないなら、</a:t>
+            </a:r>
+            <a:r>
+              <a:rPr kumimoji="1" lang="en-US" altLang="ja-JP"/>
+              <a:t>release</a:t>
+            </a:r>
+            <a:r>
+              <a:rPr kumimoji="1" lang="ja-JP" altLang="en-US"/>
+              <a:t>になります。</a:t>
+            </a:r>
+            <a:endParaRPr kumimoji="1" lang="en-US" altLang="ja-JP"/>
+          </a:p>
+        </p:txBody>
+      </p:sp>
+      <p:sp>
+        <p:nvSpPr>
+          <p:cNvPr id="4" name="スライド番号プレースホルダー 3"/>
+          <p:cNvSpPr>
+            <a:spLocks noGrp="1"/>
+          </p:cNvSpPr>
+          <p:nvPr>
+            <p:ph type="sldNum" sz="quarter" idx="5"/>
+          </p:nvPr>
+        </p:nvSpPr>
+        <p:spPr/>
+        <p:txBody>
+          <a:bodyPr/>
+          <a:lstStyle/>
+          <a:p>
+            <a:fld id="{973D58C5-2AAA-9546-8752-FF8AAD0671F2}" type="slidenum">
+              <a:t>3</a:t>
+            </a:fld>
+            <a:endParaRPr kumimoji="1" lang="ja-JP" altLang="en-US"/>
+          </a:p>
+        </p:txBody>
+      </p:sp>
+    </p:spTree>
+    <p:extLst>
+      <p:ext uri="{BB962C8B-B14F-4D97-AF65-F5344CB8AC3E}">
+        <p14:creationId xmlns:p14="http://schemas.microsoft.com/office/powerpoint/2010/main" val="3465651234"/>
+      </p:ext>
+    </p:extLst>
+  </p:cSld>
+  <p:clrMapOvr>
+    <a:masterClrMapping/>
+  </p:clrMapOvr>
+</p:notes>
+</file>
+
+<file path=ppt/notesSlides/notesSlide4.xml><?xml version="1.0" encoding="utf-8"?>
+<p:notes xmlns:a="http://schemas.openxmlformats.org/drawingml/2006/main" xmlns:r="http://schemas.openxmlformats.org/officeDocument/2006/relationships" xmlns:p="http://schemas.openxmlformats.org/presentationml/2006/main">
+  <p:cSld>
+    <p:spTree>
+      <p:nvGrpSpPr>
+        <p:cNvPr id="1" name=""/>
+        <p:cNvGrpSpPr/>
+        <p:nvPr/>
+      </p:nvGrpSpPr>
+      <p:grpSpPr>
+        <a:xfrm>
+          <a:off x="0" y="0"/>
+          <a:ext cx="0" cy="0"/>
+          <a:chOff x="0" y="0"/>
+          <a:chExt cx="0" cy="0"/>
+        </a:xfrm>
+      </p:grpSpPr>
+      <p:sp>
+        <p:nvSpPr>
+          <p:cNvPr id="2" name="スライド イメージ プレースホルダー 1"/>
+          <p:cNvSpPr>
+            <a:spLocks noGrp="1" noRot="1" noChangeAspect="1"/>
+          </p:cNvSpPr>
+          <p:nvPr>
+            <p:ph type="sldImg"/>
+          </p:nvPr>
+        </p:nvSpPr>
+        <p:spPr/>
+      </p:sp>
+      <p:sp>
+        <p:nvSpPr>
+          <p:cNvPr id="3" name="ノート プレースホルダー 2"/>
+          <p:cNvSpPr>
+            <a:spLocks noGrp="1"/>
+          </p:cNvSpPr>
+          <p:nvPr>
+            <p:ph type="body" idx="1"/>
+          </p:nvPr>
+        </p:nvSpPr>
+        <p:spPr/>
+        <p:txBody>
+          <a:bodyPr/>
+          <a:lstStyle/>
+          <a:p>
+            <a:r>
+              <a:rPr kumimoji="1" lang="en-US" altLang="ja-JP"/>
+              <a:t>Sandbox</a:t>
+            </a:r>
+            <a:r>
+              <a:rPr kumimoji="1" lang="ja-JP" altLang="en-US"/>
+              <a:t>を終了させるには</a:t>
+            </a:r>
+            <a:r>
+              <a:rPr kumimoji="1" lang="en-US" altLang="ja-JP"/>
+              <a:t>down</a:t>
+            </a:r>
+            <a:r>
+              <a:rPr kumimoji="1" lang="ja-JP" altLang="en-US"/>
+              <a:t>コマンドを実行します。</a:t>
+            </a:r>
+            <a:endParaRPr kumimoji="1" lang="en-US" altLang="ja-JP"/>
+          </a:p>
+        </p:txBody>
+      </p:sp>
+      <p:sp>
+        <p:nvSpPr>
+          <p:cNvPr id="4" name="スライド番号プレースホルダー 3"/>
+          <p:cNvSpPr>
+            <a:spLocks noGrp="1"/>
+          </p:cNvSpPr>
+          <p:nvPr>
+            <p:ph type="sldNum" sz="quarter" idx="5"/>
+          </p:nvPr>
+        </p:nvSpPr>
+        <p:spPr/>
+        <p:txBody>
+          <a:bodyPr/>
+          <a:lstStyle/>
+          <a:p>
+            <a:fld id="{973D58C5-2AAA-9546-8752-FF8AAD0671F2}" type="slidenum">
+              <a:t>4</a:t>
+            </a:fld>
+            <a:endParaRPr kumimoji="1" lang="ja-JP" altLang="en-US"/>
+          </a:p>
+        </p:txBody>
+      </p:sp>
+    </p:spTree>
+    <p:extLst>
+      <p:ext uri="{BB962C8B-B14F-4D97-AF65-F5344CB8AC3E}">
+        <p14:creationId xmlns:p14="http://schemas.microsoft.com/office/powerpoint/2010/main" val="1140755139"/>
+      </p:ext>
+    </p:extLst>
+  </p:cSld>
+  <p:clrMapOvr>
+    <a:masterClrMapping/>
+  </p:clrMapOvr>
+</p:notes>
+</file>
+
+<file path=ppt/notesSlides/notesSlide5.xml><?xml version="1.0" encoding="utf-8"?>
+<p:notes xmlns:a="http://schemas.openxmlformats.org/drawingml/2006/main" xmlns:r="http://schemas.openxmlformats.org/officeDocument/2006/relationships" xmlns:p="http://schemas.openxmlformats.org/presentationml/2006/main">
+  <p:cSld>
+    <p:spTree>
+      <p:nvGrpSpPr>
+        <p:cNvPr id="1" name=""/>
+        <p:cNvGrpSpPr/>
+        <p:nvPr/>
+      </p:nvGrpSpPr>
+      <p:grpSpPr>
+        <a:xfrm>
+          <a:off x="0" y="0"/>
+          <a:ext cx="0" cy="0"/>
+          <a:chOff x="0" y="0"/>
+          <a:chExt cx="0" cy="0"/>
+        </a:xfrm>
+      </p:grpSpPr>
+      <p:sp>
+        <p:nvSpPr>
+          <p:cNvPr id="2" name="スライド イメージ プレースホルダー 1"/>
+          <p:cNvSpPr>
+            <a:spLocks noGrp="1" noRot="1" noChangeAspect="1"/>
+          </p:cNvSpPr>
+          <p:nvPr>
+            <p:ph type="sldImg"/>
+          </p:nvPr>
+        </p:nvSpPr>
+        <p:spPr/>
+      </p:sp>
+      <p:sp>
+        <p:nvSpPr>
+          <p:cNvPr id="3" name="ノート プレースホルダー 2"/>
+          <p:cNvSpPr>
+            <a:spLocks noGrp="1"/>
+          </p:cNvSpPr>
+          <p:nvPr>
+            <p:ph type="body" idx="1"/>
+          </p:nvPr>
+        </p:nvSpPr>
+        <p:spPr/>
+        <p:txBody>
+          <a:bodyPr/>
+          <a:lstStyle/>
+          <a:p>
+            <a:r>
+              <a:rPr kumimoji="1" lang="en-US" altLang="ja-JP"/>
+              <a:t>Sandbox</a:t>
+            </a:r>
+            <a:r>
+              <a:rPr kumimoji="1" lang="ja-JP" altLang="en-US"/>
+              <a:t>の状態を確認するには</a:t>
+            </a:r>
+            <a:r>
+              <a:rPr kumimoji="1" lang="en-US" altLang="ja-JP"/>
+              <a:t>status</a:t>
+            </a:r>
+            <a:r>
+              <a:rPr kumimoji="1" lang="ja-JP" altLang="en-US"/>
+              <a:t>コマンドを実行します。</a:t>
+            </a:r>
+            <a:endParaRPr kumimoji="1" lang="en-US" altLang="ja-JP"/>
+          </a:p>
+          <a:p>
+            <a:r>
+              <a:rPr kumimoji="1" lang="en-US" altLang="ja-JP"/>
+              <a:t>Sandbox</a:t>
+            </a:r>
+            <a:r>
+              <a:rPr kumimoji="1" lang="ja-JP" altLang="en-US"/>
+              <a:t>が起動していない場合は、エラーメッセージが表示されます。</a:t>
+            </a:r>
+            <a:endParaRPr kumimoji="1" lang="en-US" altLang="ja-JP"/>
+          </a:p>
+          <a:p>
+            <a:r>
+              <a:rPr kumimoji="1" lang="en-US" altLang="ja-JP"/>
+              <a:t>Sandbox</a:t>
+            </a:r>
+            <a:r>
+              <a:rPr kumimoji="1" lang="ja-JP" altLang="en-US"/>
+              <a:t>が起動している場合は、状態が表示されます。</a:t>
+            </a:r>
+            <a:endParaRPr kumimoji="1" lang="en-US" altLang="ja-JP"/>
+          </a:p>
+          <a:p>
+            <a:endParaRPr kumimoji="1" lang="en-US" altLang="ja-JP"/>
+          </a:p>
+          <a:p>
+            <a:r>
+              <a:rPr kumimoji="1" lang="en-US" altLang="ja-JP"/>
+              <a:t>Sandbox</a:t>
+            </a:r>
+            <a:r>
+              <a:rPr kumimoji="1" lang="ja-JP" altLang="en-US"/>
+              <a:t>は起動しっぱなしのことが多いので、起動しているか確認するのに、</a:t>
+            </a:r>
+            <a:r>
+              <a:rPr kumimoji="1" lang="en-US" altLang="ja-JP"/>
+              <a:t>status</a:t>
+            </a:r>
+            <a:r>
+              <a:rPr kumimoji="1" lang="ja-JP" altLang="en-US"/>
+              <a:t>コマンドを使いましょう。</a:t>
+            </a:r>
+            <a:endParaRPr kumimoji="1" lang="en-US" altLang="ja-JP"/>
+          </a:p>
+        </p:txBody>
+      </p:sp>
+      <p:sp>
+        <p:nvSpPr>
+          <p:cNvPr id="4" name="スライド番号プレースホルダー 3"/>
+          <p:cNvSpPr>
+            <a:spLocks noGrp="1"/>
+          </p:cNvSpPr>
+          <p:nvPr>
+            <p:ph type="sldNum" sz="quarter" idx="5"/>
+          </p:nvPr>
+        </p:nvSpPr>
+        <p:spPr/>
+        <p:txBody>
+          <a:bodyPr/>
+          <a:lstStyle/>
+          <a:p>
+            <a:fld id="{973D58C5-2AAA-9546-8752-FF8AAD0671F2}" type="slidenum">
+              <a:t>5</a:t>
+            </a:fld>
+            <a:endParaRPr kumimoji="1" lang="ja-JP" altLang="en-US"/>
+          </a:p>
+        </p:txBody>
+      </p:sp>
+    </p:spTree>
+    <p:extLst>
+      <p:ext uri="{BB962C8B-B14F-4D97-AF65-F5344CB8AC3E}">
+        <p14:creationId xmlns:p14="http://schemas.microsoft.com/office/powerpoint/2010/main" val="2870140019"/>
+      </p:ext>
+    </p:extLst>
+  </p:cSld>
+  <p:clrMapOvr>
+    <a:masterClrMapping/>
+  </p:clrMapOvr>
+</p:notes>
+</file>
+
+<file path=ppt/notesSlides/notesSlide6.xml><?xml version="1.0" encoding="utf-8"?>
+<p:notes xmlns:a="http://schemas.openxmlformats.org/drawingml/2006/main" xmlns:r="http://schemas.openxmlformats.org/officeDocument/2006/relationships" xmlns:p="http://schemas.openxmlformats.org/presentationml/2006/main">
+  <p:cSld>
+    <p:spTree>
+      <p:nvGrpSpPr>
+        <p:cNvPr id="1" name=""/>
+        <p:cNvGrpSpPr/>
+        <p:nvPr/>
+      </p:nvGrpSpPr>
+      <p:grpSpPr>
+        <a:xfrm>
+          <a:off x="0" y="0"/>
+          <a:ext cx="0" cy="0"/>
+          <a:chOff x="0" y="0"/>
+          <a:chExt cx="0" cy="0"/>
+        </a:xfrm>
+      </p:grpSpPr>
+      <p:sp>
+        <p:nvSpPr>
+          <p:cNvPr id="2" name="スライド イメージ プレースホルダー 1"/>
+          <p:cNvSpPr>
+            <a:spLocks noGrp="1" noRot="1" noChangeAspect="1"/>
+          </p:cNvSpPr>
+          <p:nvPr>
+            <p:ph type="sldImg"/>
+          </p:nvPr>
+        </p:nvSpPr>
+        <p:spPr/>
+      </p:sp>
+      <p:sp>
+        <p:nvSpPr>
+          <p:cNvPr id="3" name="ノート プレースホルダー 2"/>
+          <p:cNvSpPr>
+            <a:spLocks noGrp="1"/>
+          </p:cNvSpPr>
+          <p:nvPr>
+            <p:ph type="body" idx="1"/>
+          </p:nvPr>
+        </p:nvSpPr>
+        <p:spPr/>
+        <p:txBody>
+          <a:bodyPr/>
+          <a:lstStyle/>
+          <a:p>
+            <a:r>
+              <a:rPr kumimoji="1" lang="en-US" altLang="ja-JP"/>
+              <a:t>Sandbox</a:t>
+            </a:r>
+            <a:r>
+              <a:rPr kumimoji="1" lang="ja-JP" altLang="en-US"/>
+              <a:t>を</a:t>
+            </a:r>
+            <a:r>
+              <a:rPr kumimoji="1" lang="en-US" altLang="ja-JP"/>
+              <a:t>release</a:t>
+            </a:r>
+            <a:r>
+              <a:rPr kumimoji="1" lang="ja-JP" altLang="en-US"/>
+              <a:t>モードで起動した場合、テストしやすいように最初からアカウントが３つ用意されています。</a:t>
+            </a:r>
+            <a:endParaRPr kumimoji="1" lang="en-US" altLang="ja-JP"/>
+          </a:p>
+          <a:p>
+            <a:r>
+              <a:rPr kumimoji="1" lang="ja-JP" altLang="en-US"/>
+              <a:t>そのアカウントを確認するには、</a:t>
+            </a:r>
+            <a:r>
+              <a:rPr kumimoji="1" lang="en-US" altLang="ja-JP"/>
+              <a:t>goal account list</a:t>
+            </a:r>
+            <a:r>
+              <a:rPr kumimoji="1" lang="ja-JP" altLang="en-US"/>
+              <a:t>コマンドを使います。</a:t>
+            </a:r>
+            <a:endParaRPr kumimoji="1" lang="en-US" altLang="ja-JP"/>
+          </a:p>
+        </p:txBody>
+      </p:sp>
+      <p:sp>
+        <p:nvSpPr>
+          <p:cNvPr id="4" name="スライド番号プレースホルダー 3"/>
+          <p:cNvSpPr>
+            <a:spLocks noGrp="1"/>
+          </p:cNvSpPr>
+          <p:nvPr>
+            <p:ph type="sldNum" sz="quarter" idx="5"/>
+          </p:nvPr>
+        </p:nvSpPr>
+        <p:spPr/>
+        <p:txBody>
+          <a:bodyPr/>
+          <a:lstStyle/>
+          <a:p>
+            <a:fld id="{973D58C5-2AAA-9546-8752-FF8AAD0671F2}" type="slidenum">
+              <a:t>6</a:t>
+            </a:fld>
+            <a:endParaRPr kumimoji="1" lang="ja-JP" altLang="en-US"/>
+          </a:p>
+        </p:txBody>
+      </p:sp>
+    </p:spTree>
+    <p:extLst>
+      <p:ext uri="{BB962C8B-B14F-4D97-AF65-F5344CB8AC3E}">
+        <p14:creationId xmlns:p14="http://schemas.microsoft.com/office/powerpoint/2010/main" val="772817501"/>
       </p:ext>
     </p:extLst>
   </p:cSld>
@@ -997,7 +1580,7 @@
           <a:lstStyle/>
           <a:p>
             <a:fld id="{35A3F9D9-9E9B-AC43-A70E-8712BBF1C569}" type="datetimeFigureOut">
-              <a:t>2022/4/16</a:t>
+              <a:t>2022/6/6</a:t>
             </a:fld>
             <a:endParaRPr kumimoji="1" lang="ja-JP" altLang="en-US"/>
           </a:p>
@@ -1225,7 +1808,7 @@
           <a:lstStyle/>
           <a:p>
             <a:fld id="{35A3F9D9-9E9B-AC43-A70E-8712BBF1C569}" type="datetimeFigureOut">
-              <a:t>2022/4/16</a:t>
+              <a:t>2022/6/6</a:t>
             </a:fld>
             <a:endParaRPr kumimoji="1" lang="ja-JP" altLang="en-US"/>
           </a:p>
@@ -1463,7 +2046,7 @@
           <a:lstStyle/>
           <a:p>
             <a:fld id="{35A3F9D9-9E9B-AC43-A70E-8712BBF1C569}" type="datetimeFigureOut">
-              <a:t>2022/4/16</a:t>
+              <a:t>2022/6/6</a:t>
             </a:fld>
             <a:endParaRPr kumimoji="1" lang="ja-JP" altLang="en-US"/>
           </a:p>
@@ -1691,7 +2274,7 @@
           <a:lstStyle/>
           <a:p>
             <a:fld id="{35A3F9D9-9E9B-AC43-A70E-8712BBF1C569}" type="datetimeFigureOut">
-              <a:t>2022/4/16</a:t>
+              <a:t>2022/6/6</a:t>
             </a:fld>
             <a:endParaRPr kumimoji="1" lang="ja-JP" altLang="en-US"/>
           </a:p>
@@ -1964,7 +2547,7 @@
           <a:lstStyle/>
           <a:p>
             <a:fld id="{35A3F9D9-9E9B-AC43-A70E-8712BBF1C569}" type="datetimeFigureOut">
-              <a:t>2022/4/16</a:t>
+              <a:t>2022/6/6</a:t>
             </a:fld>
             <a:endParaRPr kumimoji="1" lang="ja-JP" altLang="en-US"/>
           </a:p>
@@ -2291,7 +2874,7 @@
           <a:lstStyle/>
           <a:p>
             <a:fld id="{35A3F9D9-9E9B-AC43-A70E-8712BBF1C569}" type="datetimeFigureOut">
-              <a:t>2022/4/16</a:t>
+              <a:t>2022/6/6</a:t>
             </a:fld>
             <a:endParaRPr kumimoji="1" lang="ja-JP" altLang="en-US"/>
           </a:p>
@@ -2765,7 +3348,7 @@
           <a:lstStyle/>
           <a:p>
             <a:fld id="{35A3F9D9-9E9B-AC43-A70E-8712BBF1C569}" type="datetimeFigureOut">
-              <a:t>2022/4/16</a:t>
+              <a:t>2022/6/6</a:t>
             </a:fld>
             <a:endParaRPr kumimoji="1" lang="ja-JP" altLang="en-US"/>
           </a:p>
@@ -2904,7 +3487,7 @@
           <a:lstStyle/>
           <a:p>
             <a:fld id="{35A3F9D9-9E9B-AC43-A70E-8712BBF1C569}" type="datetimeFigureOut">
-              <a:t>2022/4/16</a:t>
+              <a:t>2022/6/6</a:t>
             </a:fld>
             <a:endParaRPr kumimoji="1" lang="ja-JP" altLang="en-US"/>
           </a:p>
@@ -3015,7 +3598,7 @@
           <a:lstStyle/>
           <a:p>
             <a:fld id="{35A3F9D9-9E9B-AC43-A70E-8712BBF1C569}" type="datetimeFigureOut">
-              <a:t>2022/4/16</a:t>
+              <a:t>2022/6/6</a:t>
             </a:fld>
             <a:endParaRPr kumimoji="1" lang="ja-JP" altLang="en-US"/>
           </a:p>
@@ -3356,7 +3939,7 @@
           <a:lstStyle/>
           <a:p>
             <a:fld id="{35A3F9D9-9E9B-AC43-A70E-8712BBF1C569}" type="datetimeFigureOut">
-              <a:t>2022/4/16</a:t>
+              <a:t>2022/6/6</a:t>
             </a:fld>
             <a:endParaRPr kumimoji="1" lang="ja-JP" altLang="en-US"/>
           </a:p>
@@ -3642,7 +4225,7 @@
           <a:lstStyle/>
           <a:p>
             <a:fld id="{35A3F9D9-9E9B-AC43-A70E-8712BBF1C569}" type="datetimeFigureOut">
-              <a:t>2022/4/16</a:t>
+              <a:t>2022/6/6</a:t>
             </a:fld>
             <a:endParaRPr kumimoji="1" lang="ja-JP" altLang="en-US"/>
           </a:p>
@@ -3913,7 +4496,7 @@
           </a:lstStyle>
           <a:p>
             <a:fld id="{35A3F9D9-9E9B-AC43-A70E-8712BBF1C569}" type="datetimeFigureOut">
-              <a:t>2022/4/16</a:t>
+              <a:t>2022/6/6</a:t>
             </a:fld>
             <a:endParaRPr kumimoji="1" lang="ja-JP" altLang="en-US"/>
           </a:p>
@@ -4360,11 +4943,63 @@
             </a:pPr>
             <a:r>
               <a:rPr lang="en-US" altLang="ja-JP"/>
-              <a:t>Algorand</a:t>
+              <a:t>Ubuntu</a:t>
             </a:r>
             <a:r>
               <a:rPr lang="ja-JP" altLang="en-US"/>
-              <a:t>教育プログラムのリポジトリを</a:t>
+              <a:t>が起動しているかを確認</a:t>
+            </a:r>
+            <a:endParaRPr lang="en-US" altLang="ja-JP"/>
+          </a:p>
+          <a:p>
+            <a:pPr marL="0" indent="0">
+              <a:buNone/>
+            </a:pPr>
+            <a:r>
+              <a:rPr lang="en-US" altLang="ja-JP" sz="2400"/>
+              <a:t>$ multipass list</a:t>
+            </a:r>
+          </a:p>
+          <a:p>
+            <a:pPr marL="0" indent="0">
+              <a:buNone/>
+            </a:pPr>
+            <a:endParaRPr lang="en-US" altLang="ja-JP"/>
+          </a:p>
+          <a:p>
+            <a:pPr marL="0" indent="0">
+              <a:buNone/>
+            </a:pPr>
+            <a:r>
+              <a:rPr lang="en-US" altLang="ja-JP"/>
+              <a:t>VSCode</a:t>
+            </a:r>
+            <a:r>
+              <a:rPr lang="ja-JP" altLang="en-US"/>
+              <a:t>で</a:t>
+            </a:r>
+            <a:r>
+              <a:rPr lang="en-US" altLang="ja-JP"/>
+              <a:t>Remote-SSH</a:t>
+            </a:r>
+          </a:p>
+          <a:p>
+            <a:pPr marL="0" indent="0">
+              <a:buNone/>
+            </a:pPr>
+            <a:endParaRPr lang="en" altLang="ja-JP"/>
+          </a:p>
+          <a:p>
+            <a:pPr marL="0" indent="0">
+              <a:buNone/>
+            </a:pPr>
+            <a:r>
+              <a:rPr lang="en" altLang="ja-JP"/>
+              <a:t>Algorand Sandbox</a:t>
+            </a:r>
+            <a:r>
+              <a:rPr lang="ja-JP" altLang="en-US"/>
+              <a:t>のリポジトリを</a:t>
             </a:r>
             <a:r>
               <a:rPr lang="en-US" altLang="ja-JP"/>
@@ -4377,54 +5012,7 @@
             </a:pPr>
             <a:r>
               <a:rPr lang="en-US" altLang="ja-JP" sz="2400"/>
-              <a:t>git clone https://github.com/higayasuo/algorand_education_program</a:t>
-            </a:r>
-          </a:p>
-          <a:p>
-            <a:pPr marL="0" indent="0">
-              <a:buNone/>
-            </a:pPr>
-            <a:endParaRPr lang="en-US" altLang="ja-JP"/>
-          </a:p>
-          <a:p>
-            <a:pPr marL="0" indent="0">
-              <a:buNone/>
-            </a:pPr>
-            <a:r>
-              <a:rPr lang="en" altLang="ja-JP"/>
-              <a:t>cd algorand_education_program</a:t>
-            </a:r>
-          </a:p>
-          <a:p>
-            <a:pPr marL="0" indent="0">
-              <a:buNone/>
-            </a:pPr>
-            <a:endParaRPr lang="en" altLang="ja-JP"/>
-          </a:p>
-          <a:p>
-            <a:pPr marL="0" indent="0">
-              <a:buNone/>
-            </a:pPr>
-            <a:r>
-              <a:rPr lang="en" altLang="ja-JP"/>
-              <a:t>Algorand Sandbox</a:t>
-            </a:r>
-            <a:r>
-              <a:rPr lang="ja-JP" altLang="en-US"/>
-              <a:t>のリポジトリを</a:t>
-            </a:r>
-            <a:r>
-              <a:rPr lang="en-US" altLang="ja-JP"/>
-              <a:t>git clone</a:t>
-            </a:r>
-          </a:p>
-          <a:p>
-            <a:pPr marL="0" indent="0">
-              <a:buNone/>
-            </a:pPr>
-            <a:r>
-              <a:rPr lang="en-US" altLang="ja-JP" sz="2400"/>
-              <a:t>git clone </a:t>
+              <a:t>$ git clone </a:t>
             </a:r>
             <a:r>
               <a:rPr lang="en-US" altLang="ja-JP" sz="2400">
@@ -4445,12 +5033,9 @@
               <a:buNone/>
             </a:pPr>
             <a:r>
-              <a:rPr lang="en-US" altLang="ja-JP"/>
-              <a:t>cd sandbox</a:t>
-            </a:r>
-          </a:p>
-          <a:p>
-            <a:pPr lvl="1"/>
+              <a:rPr lang="en-US" altLang="ja-JP" sz="2400"/>
+              <a:t>$ cd sandbox</a:t>
+            </a:r>
             <a:endParaRPr lang="en-US" altLang="ja-JP"/>
           </a:p>
           <a:p>
@@ -4512,7 +5097,9 @@
           </a:xfrm>
         </p:spPr>
         <p:txBody>
-          <a:bodyPr/>
+          <a:bodyPr>
+            <a:normAutofit/>
+          </a:bodyPr>
           <a:lstStyle/>
           <a:p>
             <a:pPr marL="0" indent="0">
@@ -4533,8 +5120,17 @@
               <a:buNone/>
             </a:pPr>
             <a:r>
-              <a:rPr lang="en-US" altLang="ja-JP"/>
-              <a:t>./sandbox up dev</a:t>
+              <a:rPr lang="en-US" altLang="ja-JP" sz="2400"/>
+              <a:t>$ ./sandbox up release</a:t>
+            </a:r>
+          </a:p>
+          <a:p>
+            <a:pPr marL="0" indent="0">
+              <a:buNone/>
+            </a:pPr>
+            <a:r>
+              <a:rPr lang="en-US" altLang="ja-JP" sz="2400"/>
+              <a:t>Starting default sandbox: release</a:t>
             </a:r>
           </a:p>
           <a:p>
@@ -4548,26 +5144,17 @@
               <a:buNone/>
             </a:pPr>
             <a:r>
-              <a:rPr lang="ja-JP" altLang="en-US"/>
-              <a:t>エラーメッセージが表示された場合は、</a:t>
-            </a:r>
-            <a:r>
-              <a:rPr lang="en-US" altLang="ja-JP"/>
-              <a:t>Docker.app</a:t>
-            </a:r>
-            <a:r>
-              <a:rPr lang="ja-JP" altLang="en-US"/>
-              <a:t>が起動されているか確認する</a:t>
-            </a:r>
-            <a:endParaRPr lang="en" altLang="ja-JP"/>
+              <a:rPr lang="en" altLang="ja-JP"/>
+              <a:t>release</a:t>
+            </a:r>
           </a:p>
           <a:p>
             <a:pPr marL="0" indent="0">
               <a:buNone/>
             </a:pPr>
             <a:r>
-              <a:rPr lang="en" altLang="ja-JP"/>
-              <a:t>One or more services failed to start.</a:t>
+              <a:rPr lang="ja-JP" altLang="en-US" sz="2400"/>
+              <a:t>このノードに閉じた安定版のネットワーク</a:t>
             </a:r>
             <a:br>
               <a:rPr lang="en" altLang="ja-JP"/>
@@ -4576,35 +5163,19 @@
               <a:rPr lang="en" altLang="ja-JP"/>
             </a:br>
             <a:r>
-              <a:rPr lang="ja-JP" altLang="en-US"/>
-              <a:t>エラーの場合、</a:t>
-            </a:r>
-            <a:r>
               <a:rPr lang="en" altLang="ja-JP"/>
-              <a:t>Docker.app</a:t>
-            </a:r>
-            <a:r>
-              <a:rPr lang="ja-JP" altLang="en-US"/>
-              <a:t>の起動後、</a:t>
-            </a:r>
-            <a:r>
-              <a:rPr lang="en-US" altLang="ja-JP"/>
-              <a:t>Sandbox</a:t>
-            </a:r>
-            <a:r>
-              <a:rPr lang="ja-JP" altLang="en-US"/>
-              <a:t>を再起動する</a:t>
-            </a:r>
-            <a:endParaRPr lang="en-US" altLang="ja-JP"/>
+              <a:t>testnet</a:t>
+            </a:r>
           </a:p>
           <a:p>
             <a:pPr marL="0" indent="0">
               <a:buNone/>
             </a:pPr>
             <a:r>
-              <a:rPr lang="en-US" altLang="ja-JP"/>
-              <a:t>./sandbox up dev</a:t>
-            </a:r>
+              <a:rPr lang="ja-JP" altLang="en-US" sz="2400"/>
+              <a:t>複数のノードが参加しているテスト用のネットワーク</a:t>
+            </a:r>
+            <a:endParaRPr lang="en-US" altLang="ja-JP" sz="2400"/>
           </a:p>
           <a:p>
             <a:pPr marL="0" indent="0">
@@ -4617,28 +5188,19 @@
               <a:buNone/>
             </a:pPr>
             <a:r>
-              <a:rPr lang="ja-JP" altLang="en-US"/>
-              <a:t>正常に起動したら、</a:t>
-            </a:r>
-            <a:r>
               <a:rPr lang="en-US" altLang="ja-JP"/>
-              <a:t>Sandbox</a:t>
-            </a:r>
-            <a:r>
-              <a:rPr lang="ja-JP" altLang="en-US"/>
-              <a:t>を終了させる</a:t>
-            </a:r>
-            <a:endParaRPr lang="en-US" altLang="ja-JP"/>
+              <a:t>mainnet</a:t>
+            </a:r>
           </a:p>
           <a:p>
             <a:pPr marL="0" indent="0">
               <a:buNone/>
             </a:pPr>
             <a:r>
-              <a:rPr lang="en-US" altLang="ja-JP"/>
-              <a:t>./sandbox down</a:t>
-            </a:r>
-            <a:endParaRPr lang="en" altLang="ja-JP"/>
+              <a:rPr lang="ja-JP" altLang="en-US" sz="2400"/>
+              <a:t>本番ネットワーク</a:t>
+            </a:r>
+            <a:endParaRPr lang="en" altLang="ja-JP" sz="2400"/>
           </a:p>
           <a:p>
             <a:pPr marL="0" indent="0">
@@ -4660,6 +5222,684 @@
     <p:extLst>
       <p:ext uri="{BB962C8B-B14F-4D97-AF65-F5344CB8AC3E}">
         <p14:creationId xmlns:p14="http://schemas.microsoft.com/office/powerpoint/2010/main" val="4045131297"/>
+      </p:ext>
+    </p:extLst>
+  </p:cSld>
+  <p:clrMapOvr>
+    <a:masterClrMapping/>
+  </p:clrMapOvr>
+</p:sld>
+</file>
+
+<file path=ppt/slides/slide3.xml><?xml version="1.0" encoding="utf-8"?>
+<p:sld xmlns:a="http://schemas.openxmlformats.org/drawingml/2006/main" xmlns:r="http://schemas.openxmlformats.org/officeDocument/2006/relationships" xmlns:p="http://schemas.openxmlformats.org/presentationml/2006/main">
+  <p:cSld>
+    <p:spTree>
+      <p:nvGrpSpPr>
+        <p:cNvPr id="1" name=""/>
+        <p:cNvGrpSpPr/>
+        <p:nvPr/>
+      </p:nvGrpSpPr>
+      <p:grpSpPr>
+        <a:xfrm>
+          <a:off x="0" y="0"/>
+          <a:ext cx="0" cy="0"/>
+          <a:chOff x="0" y="0"/>
+          <a:chExt cx="0" cy="0"/>
+        </a:xfrm>
+      </p:grpSpPr>
+      <p:sp>
+        <p:nvSpPr>
+          <p:cNvPr id="5" name="コンテンツ プレースホルダー 4">
+            <a:extLst>
+              <a:ext uri="{FF2B5EF4-FFF2-40B4-BE49-F238E27FC236}">
+                <a16:creationId xmlns:a16="http://schemas.microsoft.com/office/drawing/2014/main" id="{F6163872-A705-0D48-BD98-189539800897}"/>
+              </a:ext>
+            </a:extLst>
+          </p:cNvPr>
+          <p:cNvSpPr>
+            <a:spLocks noGrp="1"/>
+          </p:cNvSpPr>
+          <p:nvPr>
+            <p:ph idx="1"/>
+          </p:nvPr>
+        </p:nvSpPr>
+        <p:spPr>
+          <a:xfrm>
+            <a:off x="838200" y="299803"/>
+            <a:ext cx="10515600" cy="5877160"/>
+          </a:xfrm>
+        </p:spPr>
+        <p:txBody>
+          <a:bodyPr>
+            <a:normAutofit/>
+          </a:bodyPr>
+          <a:lstStyle/>
+          <a:p>
+            <a:pPr marL="0" indent="0">
+              <a:buNone/>
+            </a:pPr>
+            <a:r>
+              <a:rPr lang="ja-JP" altLang="en-US"/>
+              <a:t>設定名の保存先</a:t>
+            </a:r>
+            <a:endParaRPr lang="en-US" altLang="ja-JP"/>
+          </a:p>
+          <a:p>
+            <a:pPr marL="0" indent="0">
+              <a:buNone/>
+            </a:pPr>
+            <a:r>
+              <a:rPr lang="en-US" altLang="ja-JP" sz="2400"/>
+              <a:t>$ cat .active_config</a:t>
+            </a:r>
+          </a:p>
+          <a:p>
+            <a:pPr marL="0" indent="0">
+              <a:buNone/>
+            </a:pPr>
+            <a:r>
+              <a:rPr lang="en-US" altLang="ja-JP" sz="2400"/>
+              <a:t>release</a:t>
+            </a:r>
+          </a:p>
+          <a:p>
+            <a:pPr marL="0" indent="0">
+              <a:buNone/>
+            </a:pPr>
+            <a:endParaRPr lang="en-US" altLang="ja-JP"/>
+          </a:p>
+          <a:p>
+            <a:pPr marL="0" indent="0">
+              <a:buNone/>
+            </a:pPr>
+            <a:r>
+              <a:rPr lang="en-US" altLang="ja-JP"/>
+              <a:t>up</a:t>
+            </a:r>
+            <a:r>
+              <a:rPr lang="ja-JP" altLang="en-US"/>
+              <a:t>コマンドで設定名が指定された場合</a:t>
+            </a:r>
+            <a:endParaRPr lang="en-US" altLang="ja-JP"/>
+          </a:p>
+          <a:p>
+            <a:pPr marL="0" indent="0">
+              <a:buNone/>
+            </a:pPr>
+            <a:r>
+              <a:rPr lang="ja-JP" altLang="en-US" sz="2400"/>
+              <a:t>その設定を適用</a:t>
+            </a:r>
+            <a:endParaRPr lang="en-US" altLang="ja-JP" sz="2400"/>
+          </a:p>
+          <a:p>
+            <a:pPr marL="0" indent="0">
+              <a:buNone/>
+            </a:pPr>
+            <a:endParaRPr lang="en-US" altLang="ja-JP" sz="2400"/>
+          </a:p>
+          <a:p>
+            <a:pPr marL="0" indent="0">
+              <a:buNone/>
+            </a:pPr>
+            <a:r>
+              <a:rPr lang="en-US" altLang="ja-JP"/>
+              <a:t>up</a:t>
+            </a:r>
+            <a:r>
+              <a:rPr lang="ja-JP" altLang="en-US"/>
+              <a:t>コマンドに設定名が指定されない場合</a:t>
+            </a:r>
+            <a:endParaRPr lang="en-US" altLang="ja-JP"/>
+          </a:p>
+          <a:p>
+            <a:pPr marL="0" indent="0">
+              <a:buNone/>
+            </a:pPr>
+            <a:r>
+              <a:rPr lang="en-US" altLang="ja-JP" sz="2400"/>
+              <a:t>.active_config</a:t>
+            </a:r>
+            <a:r>
+              <a:rPr lang="ja-JP" altLang="en-US" sz="2400"/>
+              <a:t>が存在するなら、そこに格納されている設定名</a:t>
+            </a:r>
+            <a:endParaRPr lang="en-US" altLang="ja-JP" sz="2400"/>
+          </a:p>
+          <a:p>
+            <a:pPr marL="0" indent="0">
+              <a:buNone/>
+            </a:pPr>
+            <a:r>
+              <a:rPr lang="en-US" altLang="ja-JP" sz="2400"/>
+              <a:t>.active_config</a:t>
+            </a:r>
+            <a:r>
+              <a:rPr lang="ja-JP" altLang="en-US" sz="2400"/>
+              <a:t>が存在しないなら、</a:t>
+            </a:r>
+            <a:r>
+              <a:rPr lang="en-US" altLang="ja-JP" sz="2400"/>
+              <a:t>release</a:t>
+            </a:r>
+            <a:endParaRPr lang="en-US" altLang="ja-JP"/>
+          </a:p>
+          <a:p>
+            <a:pPr lvl="1"/>
+            <a:endParaRPr lang="en-US" altLang="ja-JP"/>
+          </a:p>
+        </p:txBody>
+      </p:sp>
+    </p:spTree>
+    <p:extLst>
+      <p:ext uri="{BB962C8B-B14F-4D97-AF65-F5344CB8AC3E}">
+        <p14:creationId xmlns:p14="http://schemas.microsoft.com/office/powerpoint/2010/main" val="1948230268"/>
+      </p:ext>
+    </p:extLst>
+  </p:cSld>
+  <p:clrMapOvr>
+    <a:masterClrMapping/>
+  </p:clrMapOvr>
+</p:sld>
+</file>
+
+<file path=ppt/slides/slide4.xml><?xml version="1.0" encoding="utf-8"?>
+<p:sld xmlns:a="http://schemas.openxmlformats.org/drawingml/2006/main" xmlns:r="http://schemas.openxmlformats.org/officeDocument/2006/relationships" xmlns:p="http://schemas.openxmlformats.org/presentationml/2006/main">
+  <p:cSld>
+    <p:spTree>
+      <p:nvGrpSpPr>
+        <p:cNvPr id="1" name=""/>
+        <p:cNvGrpSpPr/>
+        <p:nvPr/>
+      </p:nvGrpSpPr>
+      <p:grpSpPr>
+        <a:xfrm>
+          <a:off x="0" y="0"/>
+          <a:ext cx="0" cy="0"/>
+          <a:chOff x="0" y="0"/>
+          <a:chExt cx="0" cy="0"/>
+        </a:xfrm>
+      </p:grpSpPr>
+      <p:sp>
+        <p:nvSpPr>
+          <p:cNvPr id="5" name="コンテンツ プレースホルダー 4">
+            <a:extLst>
+              <a:ext uri="{FF2B5EF4-FFF2-40B4-BE49-F238E27FC236}">
+                <a16:creationId xmlns:a16="http://schemas.microsoft.com/office/drawing/2014/main" id="{F6163872-A705-0D48-BD98-189539800897}"/>
+              </a:ext>
+            </a:extLst>
+          </p:cNvPr>
+          <p:cNvSpPr>
+            <a:spLocks noGrp="1"/>
+          </p:cNvSpPr>
+          <p:nvPr>
+            <p:ph idx="1"/>
+          </p:nvPr>
+        </p:nvSpPr>
+        <p:spPr>
+          <a:xfrm>
+            <a:off x="838200" y="299803"/>
+            <a:ext cx="10515600" cy="5877160"/>
+          </a:xfrm>
+        </p:spPr>
+        <p:txBody>
+          <a:bodyPr>
+            <a:normAutofit/>
+          </a:bodyPr>
+          <a:lstStyle/>
+          <a:p>
+            <a:pPr marL="0" indent="0">
+              <a:buNone/>
+            </a:pPr>
+            <a:r>
+              <a:rPr lang="en-US" altLang="ja-JP"/>
+              <a:t>Sandbox</a:t>
+            </a:r>
+            <a:r>
+              <a:rPr lang="ja-JP" altLang="en-US"/>
+              <a:t>の終了</a:t>
+            </a:r>
+            <a:endParaRPr lang="en-US" altLang="ja-JP"/>
+          </a:p>
+          <a:p>
+            <a:pPr marL="0" indent="0">
+              <a:buNone/>
+            </a:pPr>
+            <a:r>
+              <a:rPr lang="en-US" altLang="ja-JP" sz="2400"/>
+              <a:t>$ ./sandbox down</a:t>
+            </a:r>
+          </a:p>
+          <a:p>
+            <a:pPr marL="0" indent="0">
+              <a:buNone/>
+            </a:pPr>
+            <a:r>
+              <a:rPr lang="en-US" altLang="ja-JP" sz="2400"/>
+              <a:t>Stopping sandbox containers...</a:t>
+            </a:r>
+          </a:p>
+          <a:p>
+            <a:pPr marL="0" indent="0">
+              <a:buNone/>
+            </a:pPr>
+            <a:r>
+              <a:rPr lang="en-US" altLang="ja-JP" sz="2400"/>
+              <a:t>Stopping algorand-sandbox-indexer  ... done</a:t>
+            </a:r>
+          </a:p>
+          <a:p>
+            <a:pPr marL="0" indent="0">
+              <a:buNone/>
+            </a:pPr>
+            <a:r>
+              <a:rPr lang="en-US" altLang="ja-JP" sz="2400"/>
+              <a:t>Stopping algorand-sandbox-algod    ... done</a:t>
+            </a:r>
+          </a:p>
+          <a:p>
+            <a:pPr marL="0" indent="0">
+              <a:buNone/>
+            </a:pPr>
+            <a:r>
+              <a:rPr lang="en-US" altLang="ja-JP" sz="2400"/>
+              <a:t>Stopping algorand-sandbox-postgres ... done</a:t>
+            </a:r>
+          </a:p>
+          <a:p>
+            <a:pPr marL="0" indent="0">
+              <a:buNone/>
+            </a:pPr>
+            <a:endParaRPr lang="en-US" altLang="ja-JP"/>
+          </a:p>
+          <a:p>
+            <a:pPr marL="0" indent="0">
+              <a:buNone/>
+            </a:pPr>
+            <a:endParaRPr lang="en" altLang="ja-JP" sz="2400"/>
+          </a:p>
+          <a:p>
+            <a:pPr marL="0" indent="0">
+              <a:buNone/>
+            </a:pPr>
+            <a:endParaRPr lang="en-US" altLang="ja-JP"/>
+          </a:p>
+          <a:p>
+            <a:pPr lvl="1"/>
+            <a:endParaRPr lang="en-US" altLang="ja-JP"/>
+          </a:p>
+          <a:p>
+            <a:pPr lvl="1"/>
+            <a:endParaRPr lang="en-US" altLang="ja-JP"/>
+          </a:p>
+        </p:txBody>
+      </p:sp>
+    </p:spTree>
+    <p:extLst>
+      <p:ext uri="{BB962C8B-B14F-4D97-AF65-F5344CB8AC3E}">
+        <p14:creationId xmlns:p14="http://schemas.microsoft.com/office/powerpoint/2010/main" val="2027073942"/>
+      </p:ext>
+    </p:extLst>
+  </p:cSld>
+  <p:clrMapOvr>
+    <a:masterClrMapping/>
+  </p:clrMapOvr>
+</p:sld>
+</file>
+
+<file path=ppt/slides/slide5.xml><?xml version="1.0" encoding="utf-8"?>
+<p:sld xmlns:a="http://schemas.openxmlformats.org/drawingml/2006/main" xmlns:r="http://schemas.openxmlformats.org/officeDocument/2006/relationships" xmlns:p="http://schemas.openxmlformats.org/presentationml/2006/main">
+  <p:cSld>
+    <p:spTree>
+      <p:nvGrpSpPr>
+        <p:cNvPr id="1" name=""/>
+        <p:cNvGrpSpPr/>
+        <p:nvPr/>
+      </p:nvGrpSpPr>
+      <p:grpSpPr>
+        <a:xfrm>
+          <a:off x="0" y="0"/>
+          <a:ext cx="0" cy="0"/>
+          <a:chOff x="0" y="0"/>
+          <a:chExt cx="0" cy="0"/>
+        </a:xfrm>
+      </p:grpSpPr>
+      <p:sp>
+        <p:nvSpPr>
+          <p:cNvPr id="5" name="コンテンツ プレースホルダー 4">
+            <a:extLst>
+              <a:ext uri="{FF2B5EF4-FFF2-40B4-BE49-F238E27FC236}">
+                <a16:creationId xmlns:a16="http://schemas.microsoft.com/office/drawing/2014/main" id="{F6163872-A705-0D48-BD98-189539800897}"/>
+              </a:ext>
+            </a:extLst>
+          </p:cNvPr>
+          <p:cNvSpPr>
+            <a:spLocks noGrp="1"/>
+          </p:cNvSpPr>
+          <p:nvPr>
+            <p:ph idx="1"/>
+          </p:nvPr>
+        </p:nvSpPr>
+        <p:spPr>
+          <a:xfrm>
+            <a:off x="838200" y="299803"/>
+            <a:ext cx="10515600" cy="5877160"/>
+          </a:xfrm>
+        </p:spPr>
+        <p:txBody>
+          <a:bodyPr>
+            <a:normAutofit/>
+          </a:bodyPr>
+          <a:lstStyle/>
+          <a:p>
+            <a:pPr marL="0" indent="0">
+              <a:buNone/>
+            </a:pPr>
+            <a:r>
+              <a:rPr lang="en-US" altLang="ja-JP"/>
+              <a:t>Sandbox</a:t>
+            </a:r>
+            <a:r>
+              <a:rPr lang="ja-JP" altLang="en-US"/>
+              <a:t>の状態確認</a:t>
+            </a:r>
+            <a:r>
+              <a:rPr lang="en-US" altLang="ja-JP"/>
+              <a:t>(</a:t>
+            </a:r>
+            <a:r>
+              <a:rPr lang="ja-JP" altLang="en-US"/>
+              <a:t>起動していない場合</a:t>
+            </a:r>
+            <a:r>
+              <a:rPr lang="en-US" altLang="ja-JP"/>
+              <a:t>)</a:t>
+            </a:r>
+          </a:p>
+          <a:p>
+            <a:pPr marL="0" indent="0">
+              <a:buNone/>
+            </a:pPr>
+            <a:r>
+              <a:rPr lang="en-US" altLang="ja-JP" sz="2400"/>
+              <a:t>$ ./sandbox status</a:t>
+            </a:r>
+          </a:p>
+          <a:p>
+            <a:pPr marL="0" indent="0">
+              <a:buNone/>
+            </a:pPr>
+            <a:r>
+              <a:rPr lang="en-US" altLang="ja-JP" sz="2400"/>
+              <a:t>algod - goal node status</a:t>
+            </a:r>
+          </a:p>
+          <a:p>
+            <a:pPr marL="0" indent="0">
+              <a:buNone/>
+            </a:pPr>
+            <a:r>
+              <a:rPr lang="en-US" altLang="ja-JP" sz="2400">
+                <a:solidFill>
+                  <a:srgbClr val="FF0000"/>
+                </a:solidFill>
+              </a:rPr>
+              <a:t>ERROR</a:t>
+            </a:r>
+            <a:r>
+              <a:rPr lang="en-US" altLang="ja-JP" sz="2400"/>
+              <a:t>: No container found for algod_1</a:t>
+            </a:r>
+          </a:p>
+          <a:p>
+            <a:pPr marL="0" indent="0">
+              <a:buNone/>
+            </a:pPr>
+            <a:endParaRPr lang="en-US" altLang="ja-JP" sz="2400"/>
+          </a:p>
+          <a:p>
+            <a:pPr marL="0" indent="0">
+              <a:buNone/>
+            </a:pPr>
+            <a:r>
+              <a:rPr lang="en-US" altLang="ja-JP"/>
+              <a:t>Sandbox</a:t>
+            </a:r>
+            <a:r>
+              <a:rPr lang="ja-JP" altLang="en-US"/>
+              <a:t>の状態確認</a:t>
+            </a:r>
+            <a:r>
+              <a:rPr lang="en-US" altLang="ja-JP"/>
+              <a:t>(</a:t>
+            </a:r>
+            <a:r>
+              <a:rPr lang="ja-JP" altLang="en-US"/>
+              <a:t>起動している場合</a:t>
+            </a:r>
+            <a:r>
+              <a:rPr lang="en-US" altLang="ja-JP"/>
+              <a:t>)</a:t>
+            </a:r>
+          </a:p>
+          <a:p>
+            <a:pPr marL="0" indent="0">
+              <a:buNone/>
+            </a:pPr>
+            <a:r>
+              <a:rPr lang="en-US" altLang="ja-JP" sz="2400"/>
+              <a:t>$ ./sandbox status</a:t>
+            </a:r>
+          </a:p>
+          <a:p>
+            <a:pPr marL="0" indent="0">
+              <a:buNone/>
+            </a:pPr>
+            <a:r>
+              <a:rPr lang="en-US" altLang="ja-JP" sz="2400"/>
+              <a:t>algod - goal node status</a:t>
+            </a:r>
+          </a:p>
+          <a:p>
+            <a:pPr marL="0" indent="0">
+              <a:buNone/>
+            </a:pPr>
+            <a:r>
+              <a:rPr lang="en-US" altLang="ja-JP" sz="2400"/>
+              <a:t>Last committed block: 87</a:t>
+            </a:r>
+          </a:p>
+          <a:p>
+            <a:pPr marL="0" indent="0">
+              <a:buNone/>
+            </a:pPr>
+            <a:r>
+              <a:rPr lang="en-US" altLang="ja-JP" sz="2400"/>
+              <a:t>Time since last block: 2.0s</a:t>
+            </a:r>
+          </a:p>
+          <a:p>
+            <a:pPr marL="0" indent="0">
+              <a:buNone/>
+            </a:pPr>
+            <a:r>
+              <a:rPr lang="en-US" altLang="ja-JP" sz="2400"/>
+              <a:t>Sync Time: 0.0s</a:t>
+            </a:r>
+          </a:p>
+          <a:p>
+            <a:pPr marL="0" indent="0">
+              <a:buNone/>
+            </a:pPr>
+            <a:r>
+              <a:rPr lang="en-US" altLang="ja-JP" sz="2400"/>
+              <a:t>...</a:t>
+            </a:r>
+          </a:p>
+          <a:p>
+            <a:pPr marL="0" indent="0">
+              <a:buNone/>
+            </a:pPr>
+            <a:endParaRPr lang="en-US" altLang="ja-JP"/>
+          </a:p>
+          <a:p>
+            <a:pPr marL="0" indent="0">
+              <a:buNone/>
+            </a:pPr>
+            <a:endParaRPr lang="en" altLang="ja-JP" sz="2400"/>
+          </a:p>
+          <a:p>
+            <a:pPr marL="0" indent="0">
+              <a:buNone/>
+            </a:pPr>
+            <a:endParaRPr lang="en-US" altLang="ja-JP"/>
+          </a:p>
+          <a:p>
+            <a:pPr lvl="1"/>
+            <a:endParaRPr lang="en-US" altLang="ja-JP"/>
+          </a:p>
+          <a:p>
+            <a:pPr lvl="1"/>
+            <a:endParaRPr lang="en-US" altLang="ja-JP"/>
+          </a:p>
+        </p:txBody>
+      </p:sp>
+    </p:spTree>
+    <p:extLst>
+      <p:ext uri="{BB962C8B-B14F-4D97-AF65-F5344CB8AC3E}">
+        <p14:creationId xmlns:p14="http://schemas.microsoft.com/office/powerpoint/2010/main" val="3603446334"/>
+      </p:ext>
+    </p:extLst>
+  </p:cSld>
+  <p:clrMapOvr>
+    <a:masterClrMapping/>
+  </p:clrMapOvr>
+</p:sld>
+</file>
+
+<file path=ppt/slides/slide6.xml><?xml version="1.0" encoding="utf-8"?>
+<p:sld xmlns:a="http://schemas.openxmlformats.org/drawingml/2006/main" xmlns:r="http://schemas.openxmlformats.org/officeDocument/2006/relationships" xmlns:p="http://schemas.openxmlformats.org/presentationml/2006/main">
+  <p:cSld>
+    <p:spTree>
+      <p:nvGrpSpPr>
+        <p:cNvPr id="1" name=""/>
+        <p:cNvGrpSpPr/>
+        <p:nvPr/>
+      </p:nvGrpSpPr>
+      <p:grpSpPr>
+        <a:xfrm>
+          <a:off x="0" y="0"/>
+          <a:ext cx="0" cy="0"/>
+          <a:chOff x="0" y="0"/>
+          <a:chExt cx="0" cy="0"/>
+        </a:xfrm>
+      </p:grpSpPr>
+      <p:sp>
+        <p:nvSpPr>
+          <p:cNvPr id="5" name="コンテンツ プレースホルダー 4">
+            <a:extLst>
+              <a:ext uri="{FF2B5EF4-FFF2-40B4-BE49-F238E27FC236}">
+                <a16:creationId xmlns:a16="http://schemas.microsoft.com/office/drawing/2014/main" id="{F6163872-A705-0D48-BD98-189539800897}"/>
+              </a:ext>
+            </a:extLst>
+          </p:cNvPr>
+          <p:cNvSpPr>
+            <a:spLocks noGrp="1"/>
+          </p:cNvSpPr>
+          <p:nvPr>
+            <p:ph idx="1"/>
+          </p:nvPr>
+        </p:nvSpPr>
+        <p:spPr>
+          <a:xfrm>
+            <a:off x="838200" y="299803"/>
+            <a:ext cx="10515600" cy="5877160"/>
+          </a:xfrm>
+        </p:spPr>
+        <p:txBody>
+          <a:bodyPr>
+            <a:normAutofit/>
+          </a:bodyPr>
+          <a:lstStyle/>
+          <a:p>
+            <a:pPr marL="0" indent="0">
+              <a:buNone/>
+            </a:pPr>
+            <a:r>
+              <a:rPr lang="ja-JP" altLang="en-US"/>
+              <a:t>アカウントの確認</a:t>
+            </a:r>
+            <a:endParaRPr lang="en-US" altLang="ja-JP"/>
+          </a:p>
+          <a:p>
+            <a:pPr marL="0" indent="0">
+              <a:buNone/>
+            </a:pPr>
+            <a:r>
+              <a:rPr lang="en-US" altLang="ja-JP" sz="2400"/>
+              <a:t>$ ./sandbox goal account list</a:t>
+            </a:r>
+          </a:p>
+          <a:p>
+            <a:pPr marL="0" indent="0">
+              <a:buNone/>
+            </a:pPr>
+            <a:r>
+              <a:rPr lang="en-US" altLang="ja-JP" sz="2400"/>
+              <a:t>[offline]       KIY6MC67SOFFZZ3DNIREQE3SER37ZYMGN3VPSVBGDFXKLQPFQQPLW3TR74 ... 1000005000000000 microAlgos</a:t>
+            </a:r>
+          </a:p>
+          <a:p>
+            <a:pPr marL="0" indent="0">
+              <a:buNone/>
+            </a:pPr>
+            <a:r>
+              <a:rPr lang="en-US" altLang="ja-JP" sz="2400"/>
+              <a:t>[online]        6TMEAT2Y4TYPHFGPRA7QYVNR24TD5PZQHA3OWBUEFHHCHWX3L7SGL5QBLI ... 4000020000000000 microAlgos</a:t>
+            </a:r>
+          </a:p>
+          <a:p>
+            <a:pPr marL="0" indent="0">
+              <a:buNone/>
+            </a:pPr>
+            <a:r>
+              <a:rPr lang="en-US" altLang="ja-JP" sz="2400"/>
+              <a:t>[offline]       7GYZVCO2JCTQVBNC4H6QZXELZVS5NGSGIWO4EPK5CK4QJURUV5UZO4MUEQ ... 4000020000000000 microAlgos</a:t>
+            </a:r>
+          </a:p>
+          <a:p>
+            <a:pPr marL="0" indent="0">
+              <a:buNone/>
+            </a:pPr>
+            <a:endParaRPr lang="en-US" altLang="ja-JP"/>
+          </a:p>
+          <a:p>
+            <a:pPr marL="0" indent="0">
+              <a:buNone/>
+            </a:pPr>
+            <a:endParaRPr lang="en" altLang="ja-JP" sz="2400"/>
+          </a:p>
+          <a:p>
+            <a:pPr marL="0" indent="0">
+              <a:buNone/>
+            </a:pPr>
+            <a:endParaRPr lang="en-US" altLang="ja-JP"/>
+          </a:p>
+          <a:p>
+            <a:pPr lvl="1"/>
+            <a:endParaRPr lang="en-US" altLang="ja-JP"/>
+          </a:p>
+          <a:p>
+            <a:pPr lvl="1"/>
+            <a:endParaRPr lang="en-US" altLang="ja-JP"/>
+          </a:p>
+        </p:txBody>
+      </p:sp>
+    </p:spTree>
+    <p:extLst>
+      <p:ext uri="{BB962C8B-B14F-4D97-AF65-F5344CB8AC3E}">
+        <p14:creationId xmlns:p14="http://schemas.microsoft.com/office/powerpoint/2010/main" val="1616139814"/>
       </p:ext>
     </p:extLst>
   </p:cSld>
